--- a/Data/Template_antechinus.pptx
+++ b/Data/Template_antechinus.pptx
@@ -105,6 +105,11 @@
       </a:defRPr>
     </a:lvl9pPr>
   </p:defaultTextStyle>
+  <p:extLst>
+    <p:ext uri="{EFAFB233-063F-42B5-8137-9DF3F51BA10A}">
+      <p15:sldGuideLst xmlns:p15="http://schemas.microsoft.com/office/powerpoint/2012/main"/>
+    </p:ext>
+  </p:extLst>
 </p:presentation>
 </file>
 
@@ -239,7 +244,7 @@
           <a:p>
             <a:fld id="{6828E322-763D-4848-A343-3B7250C823DA}" type="datetimeFigureOut">
               <a:rPr lang="en-AU" smtClean="0"/>
-              <a:t>11/02/2020</a:t>
+              <a:t>25/02/2020</a:t>
             </a:fld>
             <a:endParaRPr lang="en-AU"/>
           </a:p>
@@ -409,7 +414,7 @@
           <a:p>
             <a:fld id="{6828E322-763D-4848-A343-3B7250C823DA}" type="datetimeFigureOut">
               <a:rPr lang="en-AU" smtClean="0"/>
-              <a:t>11/02/2020</a:t>
+              <a:t>25/02/2020</a:t>
             </a:fld>
             <a:endParaRPr lang="en-AU"/>
           </a:p>
@@ -589,7 +594,7 @@
           <a:p>
             <a:fld id="{6828E322-763D-4848-A343-3B7250C823DA}" type="datetimeFigureOut">
               <a:rPr lang="en-AU" smtClean="0"/>
-              <a:t>11/02/2020</a:t>
+              <a:t>25/02/2020</a:t>
             </a:fld>
             <a:endParaRPr lang="en-AU"/>
           </a:p>
@@ -759,7 +764,7 @@
           <a:p>
             <a:fld id="{6828E322-763D-4848-A343-3B7250C823DA}" type="datetimeFigureOut">
               <a:rPr lang="en-AU" smtClean="0"/>
-              <a:t>11/02/2020</a:t>
+              <a:t>25/02/2020</a:t>
             </a:fld>
             <a:endParaRPr lang="en-AU"/>
           </a:p>
@@ -1005,7 +1010,7 @@
           <a:p>
             <a:fld id="{6828E322-763D-4848-A343-3B7250C823DA}" type="datetimeFigureOut">
               <a:rPr lang="en-AU" smtClean="0"/>
-              <a:t>11/02/2020</a:t>
+              <a:t>25/02/2020</a:t>
             </a:fld>
             <a:endParaRPr lang="en-AU"/>
           </a:p>
@@ -1237,7 +1242,7 @@
           <a:p>
             <a:fld id="{6828E322-763D-4848-A343-3B7250C823DA}" type="datetimeFigureOut">
               <a:rPr lang="en-AU" smtClean="0"/>
-              <a:t>11/02/2020</a:t>
+              <a:t>25/02/2020</a:t>
             </a:fld>
             <a:endParaRPr lang="en-AU"/>
           </a:p>
@@ -1604,7 +1609,7 @@
           <a:p>
             <a:fld id="{6828E322-763D-4848-A343-3B7250C823DA}" type="datetimeFigureOut">
               <a:rPr lang="en-AU" smtClean="0"/>
-              <a:t>11/02/2020</a:t>
+              <a:t>25/02/2020</a:t>
             </a:fld>
             <a:endParaRPr lang="en-AU"/>
           </a:p>
@@ -1722,7 +1727,7 @@
           <a:p>
             <a:fld id="{6828E322-763D-4848-A343-3B7250C823DA}" type="datetimeFigureOut">
               <a:rPr lang="en-AU" smtClean="0"/>
-              <a:t>11/02/2020</a:t>
+              <a:t>25/02/2020</a:t>
             </a:fld>
             <a:endParaRPr lang="en-AU"/>
           </a:p>
@@ -1817,7 +1822,7 @@
           <a:p>
             <a:fld id="{6828E322-763D-4848-A343-3B7250C823DA}" type="datetimeFigureOut">
               <a:rPr lang="en-AU" smtClean="0"/>
-              <a:t>11/02/2020</a:t>
+              <a:t>25/02/2020</a:t>
             </a:fld>
             <a:endParaRPr lang="en-AU"/>
           </a:p>
@@ -2094,7 +2099,7 @@
           <a:p>
             <a:fld id="{6828E322-763D-4848-A343-3B7250C823DA}" type="datetimeFigureOut">
               <a:rPr lang="en-AU" smtClean="0"/>
-              <a:t>11/02/2020</a:t>
+              <a:t>25/02/2020</a:t>
             </a:fld>
             <a:endParaRPr lang="en-AU"/>
           </a:p>
@@ -2347,7 +2352,7 @@
           <a:p>
             <a:fld id="{6828E322-763D-4848-A343-3B7250C823DA}" type="datetimeFigureOut">
               <a:rPr lang="en-AU" smtClean="0"/>
-              <a:t>11/02/2020</a:t>
+              <a:t>25/02/2020</a:t>
             </a:fld>
             <a:endParaRPr lang="en-AU"/>
           </a:p>
@@ -2560,7 +2565,7 @@
           <a:p>
             <a:fld id="{6828E322-763D-4848-A343-3B7250C823DA}" type="datetimeFigureOut">
               <a:rPr lang="en-AU" smtClean="0"/>
-              <a:t>11/02/2020</a:t>
+              <a:t>25/02/2020</a:t>
             </a:fld>
             <a:endParaRPr lang="en-AU"/>
           </a:p>
@@ -4940,6 +4945,226 @@
                     <a:schemeClr val="bg1"/>
                   </a:solidFill>
                 </a:rPr>
+                <a:t>61</a:t>
+              </a:r>
+              <a:endParaRPr lang="en-AU" dirty="0">
+                <a:solidFill>
+                  <a:schemeClr val="bg1"/>
+                </a:solidFill>
+              </a:endParaRPr>
+            </a:p>
+          </p:txBody>
+        </p:sp>
+        <p:sp>
+          <p:nvSpPr>
+            <p:cNvPr id="72" name="Oval 71"/>
+            <p:cNvSpPr/>
+            <p:nvPr/>
+          </p:nvSpPr>
+          <p:spPr>
+            <a:xfrm>
+              <a:off x="7919928" y="5886889"/>
+              <a:ext cx="181419" cy="161925"/>
+            </a:xfrm>
+            <a:prstGeom prst="ellipse">
+              <a:avLst/>
+            </a:prstGeom>
+            <a:solidFill>
+              <a:srgbClr val="FF0000"/>
+            </a:solidFill>
+          </p:spPr>
+          <p:style>
+            <a:lnRef idx="2">
+              <a:schemeClr val="accent1">
+                <a:shade val="50000"/>
+              </a:schemeClr>
+            </a:lnRef>
+            <a:fillRef idx="1">
+              <a:schemeClr val="accent1"/>
+            </a:fillRef>
+            <a:effectRef idx="0">
+              <a:schemeClr val="accent1"/>
+            </a:effectRef>
+            <a:fontRef idx="minor">
+              <a:schemeClr val="lt1"/>
+            </a:fontRef>
+          </p:style>
+          <p:txBody>
+            <a:bodyPr wrap="none" rtlCol="0" anchor="ctr"/>
+            <a:lstStyle/>
+            <a:p>
+              <a:pPr algn="ctr"/>
+              <a:r>
+                <a:rPr lang="en-AU" sz="1000" dirty="0" smtClean="0">
+                  <a:solidFill>
+                    <a:schemeClr val="bg1"/>
+                  </a:solidFill>
+                </a:rPr>
+                <a:t>62</a:t>
+              </a:r>
+              <a:endParaRPr lang="en-AU" dirty="0">
+                <a:solidFill>
+                  <a:schemeClr val="bg1"/>
+                </a:solidFill>
+              </a:endParaRPr>
+            </a:p>
+          </p:txBody>
+        </p:sp>
+        <p:sp>
+          <p:nvSpPr>
+            <p:cNvPr id="73" name="Oval 72"/>
+            <p:cNvSpPr/>
+            <p:nvPr/>
+          </p:nvSpPr>
+          <p:spPr>
+            <a:xfrm>
+              <a:off x="7116888" y="5489720"/>
+              <a:ext cx="181419" cy="161925"/>
+            </a:xfrm>
+            <a:prstGeom prst="ellipse">
+              <a:avLst/>
+            </a:prstGeom>
+            <a:solidFill>
+              <a:srgbClr val="FF0000"/>
+            </a:solidFill>
+          </p:spPr>
+          <p:style>
+            <a:lnRef idx="2">
+              <a:schemeClr val="accent1">
+                <a:shade val="50000"/>
+              </a:schemeClr>
+            </a:lnRef>
+            <a:fillRef idx="1">
+              <a:schemeClr val="accent1"/>
+            </a:fillRef>
+            <a:effectRef idx="0">
+              <a:schemeClr val="accent1"/>
+            </a:effectRef>
+            <a:fontRef idx="minor">
+              <a:schemeClr val="lt1"/>
+            </a:fontRef>
+          </p:style>
+          <p:txBody>
+            <a:bodyPr wrap="none" rtlCol="0" anchor="ctr"/>
+            <a:lstStyle/>
+            <a:p>
+              <a:pPr algn="ctr"/>
+              <a:r>
+                <a:rPr lang="en-AU" sz="1000" dirty="0" smtClean="0">
+                  <a:solidFill>
+                    <a:schemeClr val="bg1"/>
+                  </a:solidFill>
+                </a:rPr>
+                <a:t>63</a:t>
+              </a:r>
+              <a:endParaRPr lang="en-AU" dirty="0">
+                <a:solidFill>
+                  <a:schemeClr val="bg1"/>
+                </a:solidFill>
+              </a:endParaRPr>
+            </a:p>
+          </p:txBody>
+        </p:sp>
+        <p:sp>
+          <p:nvSpPr>
+            <p:cNvPr id="74" name="Oval 73"/>
+            <p:cNvSpPr/>
+            <p:nvPr/>
+          </p:nvSpPr>
+          <p:spPr>
+            <a:xfrm>
+              <a:off x="7995397" y="5499880"/>
+              <a:ext cx="181419" cy="161925"/>
+            </a:xfrm>
+            <a:prstGeom prst="ellipse">
+              <a:avLst/>
+            </a:prstGeom>
+            <a:solidFill>
+              <a:srgbClr val="FF0000"/>
+            </a:solidFill>
+          </p:spPr>
+          <p:style>
+            <a:lnRef idx="2">
+              <a:schemeClr val="accent1">
+                <a:shade val="50000"/>
+              </a:schemeClr>
+            </a:lnRef>
+            <a:fillRef idx="1">
+              <a:schemeClr val="accent1"/>
+            </a:fillRef>
+            <a:effectRef idx="0">
+              <a:schemeClr val="accent1"/>
+            </a:effectRef>
+            <a:fontRef idx="minor">
+              <a:schemeClr val="lt1"/>
+            </a:fontRef>
+          </p:style>
+          <p:txBody>
+            <a:bodyPr wrap="none" rtlCol="0" anchor="ctr"/>
+            <a:lstStyle/>
+            <a:p>
+              <a:pPr algn="ctr"/>
+              <a:r>
+                <a:rPr lang="en-AU" sz="1000" dirty="0" smtClean="0">
+                  <a:solidFill>
+                    <a:schemeClr val="bg1"/>
+                  </a:solidFill>
+                </a:rPr>
+                <a:t>64</a:t>
+              </a:r>
+              <a:endParaRPr lang="en-AU" dirty="0">
+                <a:solidFill>
+                  <a:schemeClr val="bg1"/>
+                </a:solidFill>
+              </a:endParaRPr>
+            </a:p>
+          </p:txBody>
+        </p:sp>
+        <p:sp>
+          <p:nvSpPr>
+            <p:cNvPr id="75" name="Oval 74"/>
+            <p:cNvSpPr/>
+            <p:nvPr/>
+          </p:nvSpPr>
+          <p:spPr>
+            <a:xfrm>
+              <a:off x="7335657" y="5363129"/>
+              <a:ext cx="181419" cy="161925"/>
+            </a:xfrm>
+            <a:prstGeom prst="ellipse">
+              <a:avLst/>
+            </a:prstGeom>
+            <a:solidFill>
+              <a:srgbClr val="FF0000"/>
+            </a:solidFill>
+          </p:spPr>
+          <p:style>
+            <a:lnRef idx="2">
+              <a:schemeClr val="accent1">
+                <a:shade val="50000"/>
+              </a:schemeClr>
+            </a:lnRef>
+            <a:fillRef idx="1">
+              <a:schemeClr val="accent1"/>
+            </a:fillRef>
+            <a:effectRef idx="0">
+              <a:schemeClr val="accent1"/>
+            </a:effectRef>
+            <a:fontRef idx="minor">
+              <a:schemeClr val="lt1"/>
+            </a:fontRef>
+          </p:style>
+          <p:txBody>
+            <a:bodyPr wrap="none" rtlCol="0" anchor="ctr"/>
+            <a:lstStyle/>
+            <a:p>
+              <a:pPr algn="ctr"/>
+              <a:r>
+                <a:rPr lang="en-AU" sz="1000" dirty="0">
+                  <a:solidFill>
+                    <a:schemeClr val="bg1"/>
+                  </a:solidFill>
+                </a:rPr>
                 <a:t>6</a:t>
               </a:r>
               <a:r>
@@ -4948,112 +5173,57 @@
                     <a:schemeClr val="bg1"/>
                   </a:solidFill>
                 </a:rPr>
-                <a:t>1</a:t>
-              </a:r>
-              <a:endParaRPr lang="en-AU" dirty="0">
-                <a:solidFill>
-                  <a:schemeClr val="bg1"/>
-                </a:solidFill>
-              </a:endParaRPr>
-            </a:p>
-          </p:txBody>
-        </p:sp>
-        <p:sp>
-          <p:nvSpPr>
-            <p:cNvPr id="72" name="Oval 71"/>
-            <p:cNvSpPr/>
-            <p:nvPr/>
-          </p:nvSpPr>
-          <p:spPr>
-            <a:xfrm>
-              <a:off x="7919928" y="5886889"/>
-              <a:ext cx="181419" cy="161925"/>
-            </a:xfrm>
-            <a:prstGeom prst="ellipse">
-              <a:avLst/>
-            </a:prstGeom>
-            <a:solidFill>
-              <a:srgbClr val="FF0000"/>
-            </a:solidFill>
-          </p:spPr>
-          <p:style>
-            <a:lnRef idx="2">
-              <a:schemeClr val="accent1">
-                <a:shade val="50000"/>
-              </a:schemeClr>
-            </a:lnRef>
-            <a:fillRef idx="1">
-              <a:schemeClr val="accent1"/>
-            </a:fillRef>
-            <a:effectRef idx="0">
-              <a:schemeClr val="accent1"/>
-            </a:effectRef>
-            <a:fontRef idx="minor">
-              <a:schemeClr val="lt1"/>
-            </a:fontRef>
-          </p:style>
-          <p:txBody>
-            <a:bodyPr wrap="none" rtlCol="0" anchor="ctr"/>
-            <a:lstStyle/>
-            <a:p>
-              <a:pPr algn="ctr"/>
-              <a:r>
-                <a:rPr lang="en-AU" sz="1000" dirty="0" smtClean="0">
-                  <a:solidFill>
-                    <a:schemeClr val="bg1"/>
-                  </a:solidFill>
-                </a:rPr>
-                <a:t>62</a:t>
-              </a:r>
-              <a:endParaRPr lang="en-AU" dirty="0">
-                <a:solidFill>
-                  <a:schemeClr val="bg1"/>
-                </a:solidFill>
-              </a:endParaRPr>
-            </a:p>
-          </p:txBody>
-        </p:sp>
-        <p:sp>
-          <p:nvSpPr>
-            <p:cNvPr id="73" name="Oval 72"/>
-            <p:cNvSpPr/>
-            <p:nvPr/>
-          </p:nvSpPr>
-          <p:spPr>
-            <a:xfrm>
-              <a:off x="7116888" y="5489720"/>
-              <a:ext cx="181419" cy="161925"/>
-            </a:xfrm>
-            <a:prstGeom prst="ellipse">
-              <a:avLst/>
-            </a:prstGeom>
-            <a:solidFill>
-              <a:srgbClr val="FF0000"/>
-            </a:solidFill>
-          </p:spPr>
-          <p:style>
-            <a:lnRef idx="2">
-              <a:schemeClr val="accent1">
-                <a:shade val="50000"/>
-              </a:schemeClr>
-            </a:lnRef>
-            <a:fillRef idx="1">
-              <a:schemeClr val="accent1"/>
-            </a:fillRef>
-            <a:effectRef idx="0">
-              <a:schemeClr val="accent1"/>
-            </a:effectRef>
-            <a:fontRef idx="minor">
-              <a:schemeClr val="lt1"/>
-            </a:fontRef>
-          </p:style>
-          <p:txBody>
-            <a:bodyPr wrap="none" rtlCol="0" anchor="ctr"/>
-            <a:lstStyle/>
-            <a:p>
-              <a:pPr algn="ctr"/>
-              <a:r>
-                <a:rPr lang="en-AU" sz="1000" dirty="0" smtClean="0">
+                <a:t>5</a:t>
+              </a:r>
+              <a:endParaRPr lang="en-AU" dirty="0">
+                <a:solidFill>
+                  <a:schemeClr val="bg1"/>
+                </a:solidFill>
+              </a:endParaRPr>
+            </a:p>
+          </p:txBody>
+        </p:sp>
+        <p:sp>
+          <p:nvSpPr>
+            <p:cNvPr id="76" name="Oval 75"/>
+            <p:cNvSpPr/>
+            <p:nvPr/>
+          </p:nvSpPr>
+          <p:spPr>
+            <a:xfrm>
+              <a:off x="7771834" y="5361460"/>
+              <a:ext cx="181419" cy="161925"/>
+            </a:xfrm>
+            <a:prstGeom prst="ellipse">
+              <a:avLst/>
+            </a:prstGeom>
+            <a:solidFill>
+              <a:srgbClr val="FF0000"/>
+            </a:solidFill>
+          </p:spPr>
+          <p:style>
+            <a:lnRef idx="2">
+              <a:schemeClr val="accent1">
+                <a:shade val="50000"/>
+              </a:schemeClr>
+            </a:lnRef>
+            <a:fillRef idx="1">
+              <a:schemeClr val="accent1"/>
+            </a:fillRef>
+            <a:effectRef idx="0">
+              <a:schemeClr val="accent1"/>
+            </a:effectRef>
+            <a:fontRef idx="minor">
+              <a:schemeClr val="lt1"/>
+            </a:fontRef>
+          </p:style>
+          <p:txBody>
+            <a:bodyPr wrap="none" rtlCol="0" anchor="ctr"/>
+            <a:lstStyle/>
+            <a:p>
+              <a:pPr algn="ctr"/>
+              <a:r>
+                <a:rPr lang="en-AU" sz="1000" dirty="0">
                   <a:solidFill>
                     <a:schemeClr val="bg1"/>
                   </a:solidFill>
@@ -5061,85 +5231,30 @@
                 <a:t>6</a:t>
               </a:r>
               <a:r>
-                <a:rPr lang="en-AU" sz="1000" dirty="0" smtClean="0">
-                  <a:solidFill>
-                    <a:schemeClr val="bg1"/>
-                  </a:solidFill>
-                </a:rPr>
-                <a:t>3</a:t>
-              </a:r>
-              <a:endParaRPr lang="en-AU" dirty="0">
-                <a:solidFill>
-                  <a:schemeClr val="bg1"/>
-                </a:solidFill>
-              </a:endParaRPr>
-            </a:p>
-          </p:txBody>
-        </p:sp>
-        <p:sp>
-          <p:nvSpPr>
-            <p:cNvPr id="74" name="Oval 73"/>
-            <p:cNvSpPr/>
-            <p:nvPr/>
-          </p:nvSpPr>
-          <p:spPr>
-            <a:xfrm>
-              <a:off x="7995397" y="5499880"/>
-              <a:ext cx="181419" cy="161925"/>
-            </a:xfrm>
-            <a:prstGeom prst="ellipse">
-              <a:avLst/>
-            </a:prstGeom>
-            <a:solidFill>
-              <a:srgbClr val="FF0000"/>
-            </a:solidFill>
-          </p:spPr>
-          <p:style>
-            <a:lnRef idx="2">
-              <a:schemeClr val="accent1">
-                <a:shade val="50000"/>
-              </a:schemeClr>
-            </a:lnRef>
-            <a:fillRef idx="1">
-              <a:schemeClr val="accent1"/>
-            </a:fillRef>
-            <a:effectRef idx="0">
-              <a:schemeClr val="accent1"/>
-            </a:effectRef>
-            <a:fontRef idx="minor">
-              <a:schemeClr val="lt1"/>
-            </a:fontRef>
-          </p:style>
-          <p:txBody>
-            <a:bodyPr wrap="none" rtlCol="0" anchor="ctr"/>
-            <a:lstStyle/>
-            <a:p>
-              <a:pPr algn="ctr"/>
-              <a:r>
-                <a:rPr lang="en-AU" sz="1000" dirty="0" smtClean="0">
-                  <a:solidFill>
-                    <a:schemeClr val="bg1"/>
-                  </a:solidFill>
-                </a:rPr>
-                <a:t>64</a:t>
-              </a:r>
-              <a:endParaRPr lang="en-AU" dirty="0">
-                <a:solidFill>
-                  <a:schemeClr val="bg1"/>
-                </a:solidFill>
-              </a:endParaRPr>
-            </a:p>
-          </p:txBody>
-        </p:sp>
-        <p:sp>
-          <p:nvSpPr>
-            <p:cNvPr id="75" name="Oval 74"/>
-            <p:cNvSpPr/>
-            <p:nvPr/>
-          </p:nvSpPr>
-          <p:spPr>
-            <a:xfrm>
-              <a:off x="7335657" y="5363129"/>
+                <a:rPr lang="en-AU" sz="1000" smtClean="0">
+                  <a:solidFill>
+                    <a:schemeClr val="bg1"/>
+                  </a:solidFill>
+                </a:rPr>
+                <a:t>6</a:t>
+              </a:r>
+              <a:endParaRPr lang="en-AU" dirty="0">
+                <a:solidFill>
+                  <a:schemeClr val="bg1"/>
+                </a:solidFill>
+              </a:endParaRPr>
+            </a:p>
+          </p:txBody>
+        </p:sp>
+        <p:sp>
+          <p:nvSpPr>
+            <p:cNvPr id="77" name="Oval 76"/>
+            <p:cNvSpPr/>
+            <p:nvPr/>
+          </p:nvSpPr>
+          <p:spPr>
+            <a:xfrm>
+              <a:off x="7268773" y="4973586"/>
               <a:ext cx="181419" cy="161925"/>
             </a:xfrm>
             <a:prstGeom prst="ellipse">
@@ -5184,25 +5299,135 @@
                     <a:schemeClr val="bg1"/>
                   </a:solidFill>
                 </a:rPr>
-                <a:t>5</a:t>
-              </a:r>
-              <a:endParaRPr lang="en-AU" dirty="0">
-                <a:solidFill>
-                  <a:schemeClr val="bg1"/>
-                </a:solidFill>
-              </a:endParaRPr>
-            </a:p>
-          </p:txBody>
-        </p:sp>
-        <p:sp>
-          <p:nvSpPr>
-            <p:cNvPr id="76" name="Oval 75"/>
-            <p:cNvSpPr/>
-            <p:nvPr/>
-          </p:nvSpPr>
-          <p:spPr>
-            <a:xfrm>
-              <a:off x="7771834" y="5361460"/>
+                <a:t>7</a:t>
+              </a:r>
+              <a:endParaRPr lang="en-AU" dirty="0">
+                <a:solidFill>
+                  <a:schemeClr val="bg1"/>
+                </a:solidFill>
+              </a:endParaRPr>
+            </a:p>
+          </p:txBody>
+        </p:sp>
+        <p:sp>
+          <p:nvSpPr>
+            <p:cNvPr id="78" name="Oval 77"/>
+            <p:cNvSpPr/>
+            <p:nvPr/>
+          </p:nvSpPr>
+          <p:spPr>
+            <a:xfrm>
+              <a:off x="7861540" y="4976272"/>
+              <a:ext cx="181419" cy="161925"/>
+            </a:xfrm>
+            <a:prstGeom prst="ellipse">
+              <a:avLst/>
+            </a:prstGeom>
+            <a:solidFill>
+              <a:srgbClr val="FF0000"/>
+            </a:solidFill>
+          </p:spPr>
+          <p:style>
+            <a:lnRef idx="2">
+              <a:schemeClr val="accent1">
+                <a:shade val="50000"/>
+              </a:schemeClr>
+            </a:lnRef>
+            <a:fillRef idx="1">
+              <a:schemeClr val="accent1"/>
+            </a:fillRef>
+            <a:effectRef idx="0">
+              <a:schemeClr val="accent1"/>
+            </a:effectRef>
+            <a:fontRef idx="minor">
+              <a:schemeClr val="lt1"/>
+            </a:fontRef>
+          </p:style>
+          <p:txBody>
+            <a:bodyPr wrap="none" rtlCol="0" anchor="ctr"/>
+            <a:lstStyle/>
+            <a:p>
+              <a:pPr algn="ctr"/>
+              <a:r>
+                <a:rPr lang="en-AU" sz="1000" dirty="0" smtClean="0">
+                  <a:solidFill>
+                    <a:schemeClr val="bg1"/>
+                  </a:solidFill>
+                </a:rPr>
+                <a:t>68</a:t>
+              </a:r>
+              <a:endParaRPr lang="en-AU" dirty="0">
+                <a:solidFill>
+                  <a:schemeClr val="bg1"/>
+                </a:solidFill>
+              </a:endParaRPr>
+            </a:p>
+          </p:txBody>
+        </p:sp>
+        <p:sp>
+          <p:nvSpPr>
+            <p:cNvPr id="79" name="Oval 78"/>
+            <p:cNvSpPr/>
+            <p:nvPr/>
+          </p:nvSpPr>
+          <p:spPr>
+            <a:xfrm>
+              <a:off x="7273048" y="4592613"/>
+              <a:ext cx="181419" cy="161925"/>
+            </a:xfrm>
+            <a:prstGeom prst="ellipse">
+              <a:avLst/>
+            </a:prstGeom>
+            <a:solidFill>
+              <a:srgbClr val="FF0000"/>
+            </a:solidFill>
+          </p:spPr>
+          <p:style>
+            <a:lnRef idx="2">
+              <a:schemeClr val="accent1">
+                <a:shade val="50000"/>
+              </a:schemeClr>
+            </a:lnRef>
+            <a:fillRef idx="1">
+              <a:schemeClr val="accent1"/>
+            </a:fillRef>
+            <a:effectRef idx="0">
+              <a:schemeClr val="accent1"/>
+            </a:effectRef>
+            <a:fontRef idx="minor">
+              <a:schemeClr val="lt1"/>
+            </a:fontRef>
+          </p:style>
+          <p:txBody>
+            <a:bodyPr wrap="none" rtlCol="0" anchor="ctr"/>
+            <a:lstStyle/>
+            <a:p>
+              <a:pPr algn="ctr"/>
+              <a:r>
+                <a:rPr lang="en-AU" sz="1000" dirty="0" smtClean="0">
+                  <a:solidFill>
+                    <a:schemeClr val="bg1"/>
+                  </a:solidFill>
+                </a:rPr>
+                <a:t>69</a:t>
+              </a:r>
+              <a:endParaRPr lang="en-AU" dirty="0">
+                <a:solidFill>
+                  <a:schemeClr val="bg1"/>
+                </a:solidFill>
+              </a:endParaRPr>
+            </a:p>
+          </p:txBody>
+        </p:sp>
+        <p:sp>
+          <p:nvSpPr>
+            <p:cNvPr id="80" name="Oval 79"/>
+            <p:cNvSpPr/>
+            <p:nvPr/>
+          </p:nvSpPr>
+          <p:spPr>
+            <a:xfrm>
+              <a:off x="7840013" y="4570991"/>
               <a:ext cx="181419" cy="161925"/>
             </a:xfrm>
             <a:prstGeom prst="ellipse">
@@ -5239,244 +5464,8 @@
                     <a:schemeClr val="bg1"/>
                   </a:solidFill>
                 </a:rPr>
-                <a:t>6</a:t>
-              </a:r>
-              <a:r>
-                <a:rPr lang="en-AU" sz="1000" smtClean="0">
-                  <a:solidFill>
-                    <a:schemeClr val="bg1"/>
-                  </a:solidFill>
-                </a:rPr>
-                <a:t>6</a:t>
-              </a:r>
-              <a:endParaRPr lang="en-AU" dirty="0">
-                <a:solidFill>
-                  <a:schemeClr val="bg1"/>
-                </a:solidFill>
-              </a:endParaRPr>
-            </a:p>
-          </p:txBody>
-        </p:sp>
-        <p:sp>
-          <p:nvSpPr>
-            <p:cNvPr id="77" name="Oval 76"/>
-            <p:cNvSpPr/>
-            <p:nvPr/>
-          </p:nvSpPr>
-          <p:spPr>
-            <a:xfrm>
-              <a:off x="7268773" y="4973586"/>
-              <a:ext cx="181419" cy="161925"/>
-            </a:xfrm>
-            <a:prstGeom prst="ellipse">
-              <a:avLst/>
-            </a:prstGeom>
-            <a:solidFill>
-              <a:srgbClr val="FF0000"/>
-            </a:solidFill>
-          </p:spPr>
-          <p:style>
-            <a:lnRef idx="2">
-              <a:schemeClr val="accent1">
-                <a:shade val="50000"/>
-              </a:schemeClr>
-            </a:lnRef>
-            <a:fillRef idx="1">
-              <a:schemeClr val="accent1"/>
-            </a:fillRef>
-            <a:effectRef idx="0">
-              <a:schemeClr val="accent1"/>
-            </a:effectRef>
-            <a:fontRef idx="minor">
-              <a:schemeClr val="lt1"/>
-            </a:fontRef>
-          </p:style>
-          <p:txBody>
-            <a:bodyPr wrap="none" rtlCol="0" anchor="ctr"/>
-            <a:lstStyle/>
-            <a:p>
-              <a:pPr algn="ctr"/>
-              <a:r>
-                <a:rPr lang="en-AU" sz="1000" dirty="0">
-                  <a:solidFill>
-                    <a:schemeClr val="bg1"/>
-                  </a:solidFill>
-                </a:rPr>
-                <a:t>6</a:t>
-              </a:r>
-              <a:r>
-                <a:rPr lang="en-AU" sz="1000" dirty="0" smtClean="0">
-                  <a:solidFill>
-                    <a:schemeClr val="bg1"/>
-                  </a:solidFill>
-                </a:rPr>
                 <a:t>7</a:t>
               </a:r>
-              <a:endParaRPr lang="en-AU" dirty="0">
-                <a:solidFill>
-                  <a:schemeClr val="bg1"/>
-                </a:solidFill>
-              </a:endParaRPr>
-            </a:p>
-          </p:txBody>
-        </p:sp>
-        <p:sp>
-          <p:nvSpPr>
-            <p:cNvPr id="78" name="Oval 77"/>
-            <p:cNvSpPr/>
-            <p:nvPr/>
-          </p:nvSpPr>
-          <p:spPr>
-            <a:xfrm>
-              <a:off x="7861540" y="4976272"/>
-              <a:ext cx="181419" cy="161925"/>
-            </a:xfrm>
-            <a:prstGeom prst="ellipse">
-              <a:avLst/>
-            </a:prstGeom>
-            <a:solidFill>
-              <a:srgbClr val="FF0000"/>
-            </a:solidFill>
-          </p:spPr>
-          <p:style>
-            <a:lnRef idx="2">
-              <a:schemeClr val="accent1">
-                <a:shade val="50000"/>
-              </a:schemeClr>
-            </a:lnRef>
-            <a:fillRef idx="1">
-              <a:schemeClr val="accent1"/>
-            </a:fillRef>
-            <a:effectRef idx="0">
-              <a:schemeClr val="accent1"/>
-            </a:effectRef>
-            <a:fontRef idx="minor">
-              <a:schemeClr val="lt1"/>
-            </a:fontRef>
-          </p:style>
-          <p:txBody>
-            <a:bodyPr wrap="none" rtlCol="0" anchor="ctr"/>
-            <a:lstStyle/>
-            <a:p>
-              <a:pPr algn="ctr"/>
-              <a:r>
-                <a:rPr lang="en-AU" sz="1000" dirty="0" smtClean="0">
-                  <a:solidFill>
-                    <a:schemeClr val="bg1"/>
-                  </a:solidFill>
-                </a:rPr>
-                <a:t>68</a:t>
-              </a:r>
-              <a:endParaRPr lang="en-AU" dirty="0">
-                <a:solidFill>
-                  <a:schemeClr val="bg1"/>
-                </a:solidFill>
-              </a:endParaRPr>
-            </a:p>
-          </p:txBody>
-        </p:sp>
-        <p:sp>
-          <p:nvSpPr>
-            <p:cNvPr id="79" name="Oval 78"/>
-            <p:cNvSpPr/>
-            <p:nvPr/>
-          </p:nvSpPr>
-          <p:spPr>
-            <a:xfrm>
-              <a:off x="7273048" y="4592613"/>
-              <a:ext cx="181419" cy="161925"/>
-            </a:xfrm>
-            <a:prstGeom prst="ellipse">
-              <a:avLst/>
-            </a:prstGeom>
-            <a:solidFill>
-              <a:srgbClr val="FF0000"/>
-            </a:solidFill>
-          </p:spPr>
-          <p:style>
-            <a:lnRef idx="2">
-              <a:schemeClr val="accent1">
-                <a:shade val="50000"/>
-              </a:schemeClr>
-            </a:lnRef>
-            <a:fillRef idx="1">
-              <a:schemeClr val="accent1"/>
-            </a:fillRef>
-            <a:effectRef idx="0">
-              <a:schemeClr val="accent1"/>
-            </a:effectRef>
-            <a:fontRef idx="minor">
-              <a:schemeClr val="lt1"/>
-            </a:fontRef>
-          </p:style>
-          <p:txBody>
-            <a:bodyPr wrap="none" rtlCol="0" anchor="ctr"/>
-            <a:lstStyle/>
-            <a:p>
-              <a:pPr algn="ctr"/>
-              <a:r>
-                <a:rPr lang="en-AU" sz="1000" dirty="0" smtClean="0">
-                  <a:solidFill>
-                    <a:schemeClr val="bg1"/>
-                  </a:solidFill>
-                </a:rPr>
-                <a:t>69</a:t>
-              </a:r>
-              <a:endParaRPr lang="en-AU" dirty="0">
-                <a:solidFill>
-                  <a:schemeClr val="bg1"/>
-                </a:solidFill>
-              </a:endParaRPr>
-            </a:p>
-          </p:txBody>
-        </p:sp>
-        <p:sp>
-          <p:nvSpPr>
-            <p:cNvPr id="80" name="Oval 79"/>
-            <p:cNvSpPr/>
-            <p:nvPr/>
-          </p:nvSpPr>
-          <p:spPr>
-            <a:xfrm>
-              <a:off x="7840013" y="4570991"/>
-              <a:ext cx="181419" cy="161925"/>
-            </a:xfrm>
-            <a:prstGeom prst="ellipse">
-              <a:avLst/>
-            </a:prstGeom>
-            <a:solidFill>
-              <a:srgbClr val="FF0000"/>
-            </a:solidFill>
-          </p:spPr>
-          <p:style>
-            <a:lnRef idx="2">
-              <a:schemeClr val="accent1">
-                <a:shade val="50000"/>
-              </a:schemeClr>
-            </a:lnRef>
-            <a:fillRef idx="1">
-              <a:schemeClr val="accent1"/>
-            </a:fillRef>
-            <a:effectRef idx="0">
-              <a:schemeClr val="accent1"/>
-            </a:effectRef>
-            <a:fontRef idx="minor">
-              <a:schemeClr val="lt1"/>
-            </a:fontRef>
-          </p:style>
-          <p:txBody>
-            <a:bodyPr wrap="none" rtlCol="0" anchor="ctr"/>
-            <a:lstStyle/>
-            <a:p>
-              <a:pPr algn="ctr"/>
-              <a:r>
-                <a:rPr lang="en-AU" sz="1000" dirty="0">
-                  <a:solidFill>
-                    <a:schemeClr val="bg1"/>
-                  </a:solidFill>
-                </a:rPr>
-                <a:t>7</a:t>
-              </a:r>
               <a:r>
                 <a:rPr lang="en-AU" sz="1000" dirty="0" smtClean="0">
                   <a:solidFill>
@@ -5538,15 +5527,7 @@
                     <a:schemeClr val="bg1"/>
                   </a:solidFill>
                 </a:rPr>
-                <a:t>7</a:t>
-              </a:r>
-              <a:r>
-                <a:rPr lang="en-AU" sz="1000" dirty="0" smtClean="0">
-                  <a:solidFill>
-                    <a:schemeClr val="bg1"/>
-                  </a:solidFill>
-                </a:rPr>
-                <a:t>1</a:t>
+                <a:t>71</a:t>
               </a:r>
               <a:endParaRPr lang="en-AU" dirty="0">
                 <a:solidFill>
@@ -6162,6 +6143,36 @@
           </p:txBody>
         </p:sp>
       </p:grpSp>
+      <p:sp>
+        <p:nvSpPr>
+          <p:cNvPr id="2" name="TextBox 1"/>
+          <p:cNvSpPr txBox="1"/>
+          <p:nvPr/>
+        </p:nvSpPr>
+        <p:spPr>
+          <a:xfrm>
+            <a:off x="212790" y="1984813"/>
+            <a:ext cx="2312684" cy="369332"/>
+          </a:xfrm>
+          <a:prstGeom prst="rect">
+            <a:avLst/>
+          </a:prstGeom>
+          <a:noFill/>
+        </p:spPr>
+        <p:txBody>
+          <a:bodyPr wrap="none" rtlCol="0">
+            <a:spAutoFit/>
+          </a:bodyPr>
+          <a:lstStyle/>
+          <a:p>
+            <a:r>
+              <a:rPr lang="en-AU" dirty="0" smtClean="0"/>
+              <a:t>Add curve LM2 to LM3</a:t>
+            </a:r>
+            <a:endParaRPr lang="en-AU" dirty="0"/>
+          </a:p>
+        </p:txBody>
+      </p:sp>
     </p:spTree>
     <p:extLst>
       <p:ext uri="{BB962C8B-B14F-4D97-AF65-F5344CB8AC3E}">
@@ -9278,15 +9289,7 @@
                     <a:schemeClr val="bg1"/>
                   </a:solidFill>
                 </a:rPr>
-                <a:t>5</a:t>
-              </a:r>
-              <a:r>
-                <a:rPr lang="en-AU" sz="1000" dirty="0" smtClean="0">
-                  <a:solidFill>
-                    <a:schemeClr val="bg1"/>
-                  </a:solidFill>
-                </a:rPr>
-                <a:t>1</a:t>
+                <a:t>51</a:t>
               </a:r>
               <a:endParaRPr lang="en-AU" dirty="0">
                 <a:solidFill>

--- a/Data/Template_antechinus.pptx
+++ b/Data/Template_antechinus.pptx
@@ -244,7 +244,7 @@
           <a:p>
             <a:fld id="{6828E322-763D-4848-A343-3B7250C823DA}" type="datetimeFigureOut">
               <a:rPr lang="en-AU" smtClean="0"/>
-              <a:t>25/02/2020</a:t>
+              <a:t>18/05/2020</a:t>
             </a:fld>
             <a:endParaRPr lang="en-AU"/>
           </a:p>
@@ -414,7 +414,7 @@
           <a:p>
             <a:fld id="{6828E322-763D-4848-A343-3B7250C823DA}" type="datetimeFigureOut">
               <a:rPr lang="en-AU" smtClean="0"/>
-              <a:t>25/02/2020</a:t>
+              <a:t>18/05/2020</a:t>
             </a:fld>
             <a:endParaRPr lang="en-AU"/>
           </a:p>
@@ -594,7 +594,7 @@
           <a:p>
             <a:fld id="{6828E322-763D-4848-A343-3B7250C823DA}" type="datetimeFigureOut">
               <a:rPr lang="en-AU" smtClean="0"/>
-              <a:t>25/02/2020</a:t>
+              <a:t>18/05/2020</a:t>
             </a:fld>
             <a:endParaRPr lang="en-AU"/>
           </a:p>
@@ -764,7 +764,7 @@
           <a:p>
             <a:fld id="{6828E322-763D-4848-A343-3B7250C823DA}" type="datetimeFigureOut">
               <a:rPr lang="en-AU" smtClean="0"/>
-              <a:t>25/02/2020</a:t>
+              <a:t>18/05/2020</a:t>
             </a:fld>
             <a:endParaRPr lang="en-AU"/>
           </a:p>
@@ -1010,7 +1010,7 @@
           <a:p>
             <a:fld id="{6828E322-763D-4848-A343-3B7250C823DA}" type="datetimeFigureOut">
               <a:rPr lang="en-AU" smtClean="0"/>
-              <a:t>25/02/2020</a:t>
+              <a:t>18/05/2020</a:t>
             </a:fld>
             <a:endParaRPr lang="en-AU"/>
           </a:p>
@@ -1242,7 +1242,7 @@
           <a:p>
             <a:fld id="{6828E322-763D-4848-A343-3B7250C823DA}" type="datetimeFigureOut">
               <a:rPr lang="en-AU" smtClean="0"/>
-              <a:t>25/02/2020</a:t>
+              <a:t>18/05/2020</a:t>
             </a:fld>
             <a:endParaRPr lang="en-AU"/>
           </a:p>
@@ -1609,7 +1609,7 @@
           <a:p>
             <a:fld id="{6828E322-763D-4848-A343-3B7250C823DA}" type="datetimeFigureOut">
               <a:rPr lang="en-AU" smtClean="0"/>
-              <a:t>25/02/2020</a:t>
+              <a:t>18/05/2020</a:t>
             </a:fld>
             <a:endParaRPr lang="en-AU"/>
           </a:p>
@@ -1727,7 +1727,7 @@
           <a:p>
             <a:fld id="{6828E322-763D-4848-A343-3B7250C823DA}" type="datetimeFigureOut">
               <a:rPr lang="en-AU" smtClean="0"/>
-              <a:t>25/02/2020</a:t>
+              <a:t>18/05/2020</a:t>
             </a:fld>
             <a:endParaRPr lang="en-AU"/>
           </a:p>
@@ -1822,7 +1822,7 @@
           <a:p>
             <a:fld id="{6828E322-763D-4848-A343-3B7250C823DA}" type="datetimeFigureOut">
               <a:rPr lang="en-AU" smtClean="0"/>
-              <a:t>25/02/2020</a:t>
+              <a:t>18/05/2020</a:t>
             </a:fld>
             <a:endParaRPr lang="en-AU"/>
           </a:p>
@@ -2099,7 +2099,7 @@
           <a:p>
             <a:fld id="{6828E322-763D-4848-A343-3B7250C823DA}" type="datetimeFigureOut">
               <a:rPr lang="en-AU" smtClean="0"/>
-              <a:t>25/02/2020</a:t>
+              <a:t>18/05/2020</a:t>
             </a:fld>
             <a:endParaRPr lang="en-AU"/>
           </a:p>
@@ -2352,7 +2352,7 @@
           <a:p>
             <a:fld id="{6828E322-763D-4848-A343-3B7250C823DA}" type="datetimeFigureOut">
               <a:rPr lang="en-AU" smtClean="0"/>
-              <a:t>25/02/2020</a:t>
+              <a:t>18/05/2020</a:t>
             </a:fld>
             <a:endParaRPr lang="en-AU"/>
           </a:p>
@@ -2565,7 +2565,7 @@
           <a:p>
             <a:fld id="{6828E322-763D-4848-A343-3B7250C823DA}" type="datetimeFigureOut">
               <a:rPr lang="en-AU" smtClean="0"/>
-              <a:t>25/02/2020</a:t>
+              <a:t>18/05/2020</a:t>
             </a:fld>
             <a:endParaRPr lang="en-AU"/>
           </a:p>
@@ -4798,7 +4798,7 @@
           </p:nvSpPr>
           <p:spPr>
             <a:xfrm>
-              <a:off x="6459708" y="5725322"/>
+              <a:off x="6748990" y="6068375"/>
               <a:ext cx="181419" cy="161925"/>
             </a:xfrm>
             <a:prstGeom prst="ellipse">
@@ -4853,7 +4853,7 @@
           </p:nvSpPr>
           <p:spPr>
             <a:xfrm>
-              <a:off x="8669181" y="5720242"/>
+              <a:off x="8369086" y="6068375"/>
               <a:ext cx="181419" cy="161925"/>
             </a:xfrm>
             <a:prstGeom prst="ellipse">

--- a/Data/Template_antechinus.pptx
+++ b/Data/Template_antechinus.pptx
@@ -244,7 +244,7 @@
           <a:p>
             <a:fld id="{6828E322-763D-4848-A343-3B7250C823DA}" type="datetimeFigureOut">
               <a:rPr lang="en-AU" smtClean="0"/>
-              <a:t>18/05/2020</a:t>
+              <a:t>1/02/2021</a:t>
             </a:fld>
             <a:endParaRPr lang="en-AU"/>
           </a:p>
@@ -414,7 +414,7 @@
           <a:p>
             <a:fld id="{6828E322-763D-4848-A343-3B7250C823DA}" type="datetimeFigureOut">
               <a:rPr lang="en-AU" smtClean="0"/>
-              <a:t>18/05/2020</a:t>
+              <a:t>1/02/2021</a:t>
             </a:fld>
             <a:endParaRPr lang="en-AU"/>
           </a:p>
@@ -594,7 +594,7 @@
           <a:p>
             <a:fld id="{6828E322-763D-4848-A343-3B7250C823DA}" type="datetimeFigureOut">
               <a:rPr lang="en-AU" smtClean="0"/>
-              <a:t>18/05/2020</a:t>
+              <a:t>1/02/2021</a:t>
             </a:fld>
             <a:endParaRPr lang="en-AU"/>
           </a:p>
@@ -764,7 +764,7 @@
           <a:p>
             <a:fld id="{6828E322-763D-4848-A343-3B7250C823DA}" type="datetimeFigureOut">
               <a:rPr lang="en-AU" smtClean="0"/>
-              <a:t>18/05/2020</a:t>
+              <a:t>1/02/2021</a:t>
             </a:fld>
             <a:endParaRPr lang="en-AU"/>
           </a:p>
@@ -1010,7 +1010,7 @@
           <a:p>
             <a:fld id="{6828E322-763D-4848-A343-3B7250C823DA}" type="datetimeFigureOut">
               <a:rPr lang="en-AU" smtClean="0"/>
-              <a:t>18/05/2020</a:t>
+              <a:t>1/02/2021</a:t>
             </a:fld>
             <a:endParaRPr lang="en-AU"/>
           </a:p>
@@ -1242,7 +1242,7 @@
           <a:p>
             <a:fld id="{6828E322-763D-4848-A343-3B7250C823DA}" type="datetimeFigureOut">
               <a:rPr lang="en-AU" smtClean="0"/>
-              <a:t>18/05/2020</a:t>
+              <a:t>1/02/2021</a:t>
             </a:fld>
             <a:endParaRPr lang="en-AU"/>
           </a:p>
@@ -1609,7 +1609,7 @@
           <a:p>
             <a:fld id="{6828E322-763D-4848-A343-3B7250C823DA}" type="datetimeFigureOut">
               <a:rPr lang="en-AU" smtClean="0"/>
-              <a:t>18/05/2020</a:t>
+              <a:t>1/02/2021</a:t>
             </a:fld>
             <a:endParaRPr lang="en-AU"/>
           </a:p>
@@ -1727,7 +1727,7 @@
           <a:p>
             <a:fld id="{6828E322-763D-4848-A343-3B7250C823DA}" type="datetimeFigureOut">
               <a:rPr lang="en-AU" smtClean="0"/>
-              <a:t>18/05/2020</a:t>
+              <a:t>1/02/2021</a:t>
             </a:fld>
             <a:endParaRPr lang="en-AU"/>
           </a:p>
@@ -1822,7 +1822,7 @@
           <a:p>
             <a:fld id="{6828E322-763D-4848-A343-3B7250C823DA}" type="datetimeFigureOut">
               <a:rPr lang="en-AU" smtClean="0"/>
-              <a:t>18/05/2020</a:t>
+              <a:t>1/02/2021</a:t>
             </a:fld>
             <a:endParaRPr lang="en-AU"/>
           </a:p>
@@ -2099,7 +2099,7 @@
           <a:p>
             <a:fld id="{6828E322-763D-4848-A343-3B7250C823DA}" type="datetimeFigureOut">
               <a:rPr lang="en-AU" smtClean="0"/>
-              <a:t>18/05/2020</a:t>
+              <a:t>1/02/2021</a:t>
             </a:fld>
             <a:endParaRPr lang="en-AU"/>
           </a:p>
@@ -2352,7 +2352,7 @@
           <a:p>
             <a:fld id="{6828E322-763D-4848-A343-3B7250C823DA}" type="datetimeFigureOut">
               <a:rPr lang="en-AU" smtClean="0"/>
-              <a:t>18/05/2020</a:t>
+              <a:t>1/02/2021</a:t>
             </a:fld>
             <a:endParaRPr lang="en-AU"/>
           </a:p>
@@ -2565,7 +2565,7 @@
           <a:p>
             <a:fld id="{6828E322-763D-4848-A343-3B7250C823DA}" type="datetimeFigureOut">
               <a:rPr lang="en-AU" smtClean="0"/>
-              <a:t>18/05/2020</a:t>
+              <a:t>1/02/2021</a:t>
             </a:fld>
             <a:endParaRPr lang="en-AU"/>
           </a:p>
@@ -6143,36 +6143,6 @@
           </p:txBody>
         </p:sp>
       </p:grpSp>
-      <p:sp>
-        <p:nvSpPr>
-          <p:cNvPr id="2" name="TextBox 1"/>
-          <p:cNvSpPr txBox="1"/>
-          <p:nvPr/>
-        </p:nvSpPr>
-        <p:spPr>
-          <a:xfrm>
-            <a:off x="212790" y="1984813"/>
-            <a:ext cx="2312684" cy="369332"/>
-          </a:xfrm>
-          <a:prstGeom prst="rect">
-            <a:avLst/>
-          </a:prstGeom>
-          <a:noFill/>
-        </p:spPr>
-        <p:txBody>
-          <a:bodyPr wrap="none" rtlCol="0">
-            <a:spAutoFit/>
-          </a:bodyPr>
-          <a:lstStyle/>
-          <a:p>
-            <a:r>
-              <a:rPr lang="en-AU" dirty="0" smtClean="0"/>
-              <a:t>Add curve LM2 to LM3</a:t>
-            </a:r>
-            <a:endParaRPr lang="en-AU" dirty="0"/>
-          </a:p>
-        </p:txBody>
-      </p:sp>
     </p:spTree>
     <p:extLst>
       <p:ext uri="{BB962C8B-B14F-4D97-AF65-F5344CB8AC3E}">
